--- a/Task 3.3P/Task 3.3P.pptx
+++ b/Task 3.3P/Task 3.3P.pptx
@@ -3776,7 +3776,7 @@
         </p:nvSpPr>
         <p:spPr>
           <a:xfrm>
-            <a:off x="388108" y="1775439"/>
+            <a:off x="442754" y="1775439"/>
             <a:ext cx="6117590" cy="869405"/>
           </a:xfrm>
           <a:prstGeom prst="rect">
@@ -4058,7 +4058,7 @@
         </p:nvSpPr>
         <p:spPr>
           <a:xfrm>
-            <a:off x="388108" y="3178035"/>
+            <a:off x="442754" y="3178035"/>
             <a:ext cx="6117590" cy="1257204"/>
           </a:xfrm>
           <a:prstGeom prst="rect">
@@ -4108,7 +4108,7 @@
         </p:nvSpPr>
         <p:spPr>
           <a:xfrm>
-            <a:off x="388109" y="4968430"/>
+            <a:off x="442755" y="4968430"/>
             <a:ext cx="6117589" cy="830997"/>
           </a:xfrm>
           <a:prstGeom prst="rect">
